--- a/回课/3 MACHINE PROG.pptx
+++ b/回课/3 MACHINE PROG.pptx
@@ -302,7 +302,7 @@
           <a:p>
             <a:fld id="{044A82AF-1534-4B44-8729-ECBD8B5469B5}" type="datetimeFigureOut">
               <a:rPr lang="zh-CN" altLang="en-US" smtClean="0"/>
-              <a:t>2023/10/30</a:t>
+              <a:t>2024/1/6</a:t>
             </a:fld>
             <a:endParaRPr lang="zh-CN" altLang="en-US"/>
           </a:p>
@@ -500,7 +500,7 @@
           <a:p>
             <a:fld id="{044A82AF-1534-4B44-8729-ECBD8B5469B5}" type="datetimeFigureOut">
               <a:rPr lang="zh-CN" altLang="en-US" smtClean="0"/>
-              <a:t>2023/10/30</a:t>
+              <a:t>2024/1/6</a:t>
             </a:fld>
             <a:endParaRPr lang="zh-CN" altLang="en-US"/>
           </a:p>
@@ -708,7 +708,7 @@
           <a:p>
             <a:fld id="{044A82AF-1534-4B44-8729-ECBD8B5469B5}" type="datetimeFigureOut">
               <a:rPr lang="zh-CN" altLang="en-US" smtClean="0"/>
-              <a:t>2023/10/30</a:t>
+              <a:t>2024/1/6</a:t>
             </a:fld>
             <a:endParaRPr lang="zh-CN" altLang="en-US"/>
           </a:p>
@@ -906,7 +906,7 @@
           <a:p>
             <a:fld id="{044A82AF-1534-4B44-8729-ECBD8B5469B5}" type="datetimeFigureOut">
               <a:rPr lang="zh-CN" altLang="en-US" smtClean="0"/>
-              <a:t>2023/10/30</a:t>
+              <a:t>2024/1/6</a:t>
             </a:fld>
             <a:endParaRPr lang="zh-CN" altLang="en-US"/>
           </a:p>
@@ -1181,7 +1181,7 @@
           <a:p>
             <a:fld id="{044A82AF-1534-4B44-8729-ECBD8B5469B5}" type="datetimeFigureOut">
               <a:rPr lang="zh-CN" altLang="en-US" smtClean="0"/>
-              <a:t>2023/10/30</a:t>
+              <a:t>2024/1/6</a:t>
             </a:fld>
             <a:endParaRPr lang="zh-CN" altLang="en-US"/>
           </a:p>
@@ -1446,7 +1446,7 @@
           <a:p>
             <a:fld id="{044A82AF-1534-4B44-8729-ECBD8B5469B5}" type="datetimeFigureOut">
               <a:rPr lang="zh-CN" altLang="en-US" smtClean="0"/>
-              <a:t>2023/10/30</a:t>
+              <a:t>2024/1/6</a:t>
             </a:fld>
             <a:endParaRPr lang="zh-CN" altLang="en-US"/>
           </a:p>
@@ -1858,7 +1858,7 @@
           <a:p>
             <a:fld id="{044A82AF-1534-4B44-8729-ECBD8B5469B5}" type="datetimeFigureOut">
               <a:rPr lang="zh-CN" altLang="en-US" smtClean="0"/>
-              <a:t>2023/10/30</a:t>
+              <a:t>2024/1/6</a:t>
             </a:fld>
             <a:endParaRPr lang="zh-CN" altLang="en-US"/>
           </a:p>
@@ -1999,7 +1999,7 @@
           <a:p>
             <a:fld id="{044A82AF-1534-4B44-8729-ECBD8B5469B5}" type="datetimeFigureOut">
               <a:rPr lang="zh-CN" altLang="en-US" smtClean="0"/>
-              <a:t>2023/10/30</a:t>
+              <a:t>2024/1/6</a:t>
             </a:fld>
             <a:endParaRPr lang="zh-CN" altLang="en-US"/>
           </a:p>
@@ -2112,7 +2112,7 @@
           <a:p>
             <a:fld id="{044A82AF-1534-4B44-8729-ECBD8B5469B5}" type="datetimeFigureOut">
               <a:rPr lang="zh-CN" altLang="en-US" smtClean="0"/>
-              <a:t>2023/10/30</a:t>
+              <a:t>2024/1/6</a:t>
             </a:fld>
             <a:endParaRPr lang="zh-CN" altLang="en-US"/>
           </a:p>
@@ -2423,7 +2423,7 @@
           <a:p>
             <a:fld id="{044A82AF-1534-4B44-8729-ECBD8B5469B5}" type="datetimeFigureOut">
               <a:rPr lang="zh-CN" altLang="en-US" smtClean="0"/>
-              <a:t>2023/10/30</a:t>
+              <a:t>2024/1/6</a:t>
             </a:fld>
             <a:endParaRPr lang="zh-CN" altLang="en-US"/>
           </a:p>
@@ -2711,7 +2711,7 @@
           <a:p>
             <a:fld id="{044A82AF-1534-4B44-8729-ECBD8B5469B5}" type="datetimeFigureOut">
               <a:rPr lang="zh-CN" altLang="en-US" smtClean="0"/>
-              <a:t>2023/10/30</a:t>
+              <a:t>2024/1/6</a:t>
             </a:fld>
             <a:endParaRPr lang="zh-CN" altLang="en-US"/>
           </a:p>
@@ -2952,7 +2952,7 @@
           <a:p>
             <a:fld id="{044A82AF-1534-4B44-8729-ECBD8B5469B5}" type="datetimeFigureOut">
               <a:rPr lang="zh-CN" altLang="en-US" smtClean="0"/>
-              <a:t>2023/10/30</a:t>
+              <a:t>2024/1/6</a:t>
             </a:fld>
             <a:endParaRPr lang="zh-CN" altLang="en-US"/>
           </a:p>
@@ -4680,7 +4680,7 @@
           <p:nvPr>
             <p:extLst>
               <p:ext uri="{D42A27DB-BD31-4B8C-83A1-F6EECF244321}">
-                <p14:modId xmlns:p14="http://schemas.microsoft.com/office/powerpoint/2010/main" val="682877640"/>
+                <p14:modId xmlns:p14="http://schemas.microsoft.com/office/powerpoint/2010/main" val="2783518743"/>
               </p:ext>
             </p:extLst>
           </p:nvPr>
@@ -5242,10 +5242,18 @@
                     <a:p>
                       <a:pPr algn="ctr"/>
                       <a:r>
-                        <a:rPr lang="en-US" altLang="zh-CN" dirty="0"/>
+                        <a:rPr lang="en-US" altLang="zh-CN" dirty="0">
+                          <a:solidFill>
+                            <a:srgbClr val="FF0000"/>
+                          </a:solidFill>
+                        </a:rPr>
                         <a:t>SF^OF</a:t>
                       </a:r>
-                      <a:endParaRPr lang="zh-CN" altLang="en-US" dirty="0"/>
+                      <a:endParaRPr lang="zh-CN" altLang="en-US" dirty="0">
+                        <a:solidFill>
+                          <a:srgbClr val="FF0000"/>
+                        </a:solidFill>
+                      </a:endParaRPr>
                     </a:p>
                   </a:txBody>
                   <a:tcPr/>
@@ -5510,10 +5518,18 @@
                     <a:p>
                       <a:pPr algn="ctr"/>
                       <a:r>
-                        <a:rPr lang="en-US" altLang="zh-CN" dirty="0"/>
+                        <a:rPr lang="en-US" altLang="zh-CN" dirty="0">
+                          <a:solidFill>
+                            <a:srgbClr val="FF0000"/>
+                          </a:solidFill>
+                        </a:rPr>
                         <a:t>CF</a:t>
                       </a:r>
-                      <a:endParaRPr lang="zh-CN" altLang="en-US" dirty="0"/>
+                      <a:endParaRPr lang="zh-CN" altLang="en-US" dirty="0">
+                        <a:solidFill>
+                          <a:srgbClr val="FF0000"/>
+                        </a:solidFill>
+                      </a:endParaRPr>
                     </a:p>
                   </a:txBody>
                   <a:tcPr/>
@@ -5987,6 +6003,45 @@
           </a:p>
         </p:txBody>
       </p:sp>
+      <p:sp>
+        <p:nvSpPr>
+          <p:cNvPr id="4" name="文本框 3">
+            <a:extLst>
+              <a:ext uri="{FF2B5EF4-FFF2-40B4-BE49-F238E27FC236}">
+                <a16:creationId xmlns:a16="http://schemas.microsoft.com/office/drawing/2014/main" id="{C5E8BAAC-C52F-994C-A0D2-AEE881211E6B}"/>
+              </a:ext>
+            </a:extLst>
+          </p:cNvPr>
+          <p:cNvSpPr txBox="1"/>
+          <p:nvPr/>
+        </p:nvSpPr>
+        <p:spPr>
+          <a:xfrm>
+            <a:off x="914401" y="4702629"/>
+            <a:ext cx="2723823" cy="369332"/>
+          </a:xfrm>
+          <a:prstGeom prst="rect">
+            <a:avLst/>
+          </a:prstGeom>
+          <a:noFill/>
+        </p:spPr>
+        <p:txBody>
+          <a:bodyPr wrap="none" rtlCol="0">
+            <a:spAutoFit/>
+          </a:bodyPr>
+          <a:lstStyle/>
+          <a:p>
+            <a:r>
+              <a:rPr kumimoji="1" lang="zh-CN" altLang="en-US" dirty="0">
+                <a:solidFill>
+                  <a:srgbClr val="FF0000"/>
+                </a:solidFill>
+              </a:rPr>
+              <a:t>条件跳转只能是直接跳转</a:t>
+            </a:r>
+          </a:p>
+        </p:txBody>
+      </p:sp>
     </p:spTree>
     <p:extLst>
       <p:ext uri="{BB962C8B-B14F-4D97-AF65-F5344CB8AC3E}">
@@ -6387,7 +6442,7 @@
                   <a:noFill/>
                 </a:ln>
                 <a:solidFill>
-                  <a:srgbClr val="191B0E"/>
+                  <a:srgbClr val="FF0000"/>
                 </a:solidFill>
                 <a:effectLst/>
                 <a:uLnTx/>
@@ -6404,7 +6459,7 @@
                   <a:noFill/>
                 </a:ln>
                 <a:solidFill>
-                  <a:srgbClr val="191B0E"/>
+                  <a:srgbClr val="FF0000"/>
                 </a:solidFill>
                 <a:effectLst/>
                 <a:uLnTx/>
@@ -6421,7 +6476,7 @@
                   <a:noFill/>
                 </a:ln>
                 <a:solidFill>
-                  <a:srgbClr val="191B0E"/>
+                  <a:srgbClr val="FF0000"/>
                 </a:solidFill>
                 <a:effectLst/>
                 <a:uLnTx/>
@@ -6438,7 +6493,7 @@
                   <a:noFill/>
                 </a:ln>
                 <a:solidFill>
-                  <a:srgbClr val="191B0E"/>
+                  <a:srgbClr val="FF0000"/>
                 </a:solidFill>
                 <a:effectLst/>
                 <a:uLnTx/>
@@ -6455,7 +6510,7 @@
                   <a:noFill/>
                 </a:ln>
                 <a:solidFill>
-                  <a:srgbClr val="191B0E"/>
+                  <a:srgbClr val="FF0000"/>
                 </a:solidFill>
                 <a:effectLst/>
                 <a:uLnTx/>
@@ -8961,7 +9016,24 @@
                 <a:latin typeface="宋体" panose="02010600030101010101" pitchFamily="2" charset="-122"/>
                 <a:ea typeface="宋体" panose="02010600030101010101" pitchFamily="2" charset="-122"/>
               </a:rPr>
-              <a:t>位值，但不支持单字节传送，编译器可以从目标寄存器大小来推断传送的数据的位数</a:t>
+              <a:t>位值，但</a:t>
+            </a:r>
+            <a:r>
+              <a:rPr lang="zh-CN" altLang="en-US" sz="2000" dirty="0">
+                <a:solidFill>
+                  <a:srgbClr val="FF0000"/>
+                </a:solidFill>
+                <a:latin typeface="宋体" panose="02010600030101010101" pitchFamily="2" charset="-122"/>
+                <a:ea typeface="宋体" panose="02010600030101010101" pitchFamily="2" charset="-122"/>
+              </a:rPr>
+              <a:t>不支持单字节传送</a:t>
+            </a:r>
+            <a:r>
+              <a:rPr lang="zh-CN" altLang="en-US" sz="2000" dirty="0">
+                <a:latin typeface="宋体" panose="02010600030101010101" pitchFamily="2" charset="-122"/>
+                <a:ea typeface="宋体" panose="02010600030101010101" pitchFamily="2" charset="-122"/>
+              </a:rPr>
+              <a:t>，编译器可以从目标寄存器大小来推断传送的数据的位数</a:t>
             </a:r>
             <a:endParaRPr lang="en-US" altLang="zh-CN" sz="2000" dirty="0">
               <a:latin typeface="宋体" panose="02010600030101010101" pitchFamily="2" charset="-122"/>
@@ -9069,6 +9141,9 @@
             </a:r>
             <a:r>
               <a:rPr lang="en-US" altLang="zh-CN" sz="2000" dirty="0">
+                <a:solidFill>
+                  <a:srgbClr val="FF0000"/>
+                </a:solidFill>
                 <a:latin typeface="宋体" panose="02010600030101010101" pitchFamily="2" charset="-122"/>
                 <a:ea typeface="宋体" panose="02010600030101010101" pitchFamily="2" charset="-122"/>
               </a:rPr>
@@ -9076,12 +9151,18 @@
             </a:r>
             <a:r>
               <a:rPr lang="zh-CN" altLang="en-US" sz="2000" dirty="0">
+                <a:solidFill>
+                  <a:srgbClr val="FF0000"/>
+                </a:solidFill>
                 <a:latin typeface="宋体" panose="02010600030101010101" pitchFamily="2" charset="-122"/>
                 <a:ea typeface="宋体" panose="02010600030101010101" pitchFamily="2" charset="-122"/>
               </a:rPr>
               <a:t>是目标寄存器</a:t>
             </a:r>
             <a:endParaRPr lang="en-US" altLang="zh-CN" sz="2000" dirty="0">
+              <a:solidFill>
+                <a:srgbClr val="FF0000"/>
+              </a:solidFill>
               <a:latin typeface="宋体" panose="02010600030101010101" pitchFamily="2" charset="-122"/>
               <a:ea typeface="宋体" panose="02010600030101010101" pitchFamily="2" charset="-122"/>
             </a:endParaRPr>
